--- a/My-Linh Lam Weatherford’s EDU Projects - Copy.pptx
+++ b/My-Linh Lam Weatherford’s EDU Projects - Copy.pptx
@@ -5,17 +5,16 @@
     <p:sldMasterId id="2147483648" r:id="rId1"/>
   </p:sldMasterIdLst>
   <p:notesMasterIdLst>
-    <p:notesMasterId r:id="rId10"/>
+    <p:notesMasterId r:id="rId9"/>
   </p:notesMasterIdLst>
   <p:sldIdLst>
     <p:sldId id="267" r:id="rId2"/>
     <p:sldId id="269" r:id="rId3"/>
     <p:sldId id="268" r:id="rId4"/>
-    <p:sldId id="264" r:id="rId5"/>
-    <p:sldId id="266" r:id="rId6"/>
-    <p:sldId id="259" r:id="rId7"/>
-    <p:sldId id="263" r:id="rId8"/>
-    <p:sldId id="265" r:id="rId9"/>
+    <p:sldId id="266" r:id="rId5"/>
+    <p:sldId id="259" r:id="rId6"/>
+    <p:sldId id="263" r:id="rId7"/>
+    <p:sldId id="265" r:id="rId8"/>
   </p:sldIdLst>
   <p:sldSz cx="9144000" cy="6858000" type="screen4x3"/>
   <p:notesSz cx="6858000" cy="9313863"/>
@@ -465,6 +464,90 @@
     </a:lvl9pPr>
   </p:notesStyle>
 </p:notesMaster>
+</file>
+
+<file path=ppt/notesSlides/notesSlide1.xml><?xml version="1.0" encoding="utf-8"?>
+<p:notes xmlns:a="http://schemas.openxmlformats.org/drawingml/2006/main" xmlns:r="http://schemas.openxmlformats.org/officeDocument/2006/relationships" xmlns:p="http://schemas.openxmlformats.org/presentationml/2006/main">
+  <p:cSld>
+    <p:spTree>
+      <p:nvGrpSpPr>
+        <p:cNvPr id="1" name=""/>
+        <p:cNvGrpSpPr/>
+        <p:nvPr/>
+      </p:nvGrpSpPr>
+      <p:grpSpPr>
+        <a:xfrm>
+          <a:off x="0" y="0"/>
+          <a:ext cx="0" cy="0"/>
+          <a:chOff x="0" y="0"/>
+          <a:chExt cx="0" cy="0"/>
+        </a:xfrm>
+      </p:grpSpPr>
+      <p:sp>
+        <p:nvSpPr>
+          <p:cNvPr id="2" name="Slide Image Placeholder 1"/>
+          <p:cNvSpPr>
+            <a:spLocks noGrp="1" noRot="1" noChangeAspect="1"/>
+          </p:cNvSpPr>
+          <p:nvPr>
+            <p:ph type="sldImg"/>
+          </p:nvPr>
+        </p:nvSpPr>
+        <p:spPr/>
+      </p:sp>
+      <p:sp>
+        <p:nvSpPr>
+          <p:cNvPr id="3" name="Notes Placeholder 2"/>
+          <p:cNvSpPr>
+            <a:spLocks noGrp="1"/>
+          </p:cNvSpPr>
+          <p:nvPr>
+            <p:ph type="body" idx="1"/>
+          </p:nvPr>
+        </p:nvSpPr>
+        <p:spPr/>
+        <p:txBody>
+          <a:bodyPr/>
+          <a:lstStyle/>
+          <a:p>
+            <a:endParaRPr lang="en-US" dirty="0"/>
+          </a:p>
+        </p:txBody>
+      </p:sp>
+      <p:sp>
+        <p:nvSpPr>
+          <p:cNvPr id="4" name="Slide Number Placeholder 3"/>
+          <p:cNvSpPr>
+            <a:spLocks noGrp="1"/>
+          </p:cNvSpPr>
+          <p:nvPr>
+            <p:ph type="sldNum" sz="quarter" idx="10"/>
+          </p:nvPr>
+        </p:nvSpPr>
+        <p:spPr/>
+        <p:txBody>
+          <a:bodyPr/>
+          <a:lstStyle/>
+          <a:p>
+            <a:fld id="{8B48EE92-49F3-41FF-A584-F1DB34950AD6}" type="slidenum">
+              <a:rPr lang="en-US" smtClean="0"/>
+              <a:t>2</a:t>
+            </a:fld>
+            <a:endParaRPr lang="en-US"/>
+          </a:p>
+        </p:txBody>
+      </p:sp>
+    </p:spTree>
+    <p:extLst>
+      <p:ext uri="{BB962C8B-B14F-4D97-AF65-F5344CB8AC3E}">
+        <p14:creationId xmlns:p14="http://schemas.microsoft.com/office/powerpoint/2010/main" val="1429141754"/>
+      </p:ext>
+    </p:extLst>
+  </p:cSld>
+  <p:clrMapOvr>
+    <a:masterClrMapping/>
+  </p:clrMapOvr>
+</p:notes>
 </file>
 
 <file path=ppt/slideLayouts/slideLayout1.xml><?xml version="1.0" encoding="utf-8"?>
@@ -3545,7 +3628,11 @@
             <a:pPr algn="l"/>
             <a:r>
               <a:rPr lang="en-US" sz="2900" dirty="0" smtClean="0"/>
-              <a:t>Source: Internet</a:t>
+              <a:t>Sources: </a:t>
+            </a:r>
+            <a:r>
+              <a:rPr lang="en-US" sz="2900" dirty="0" smtClean="0"/>
+              <a:t>Internet</a:t>
             </a:r>
             <a:endParaRPr lang="en-US" sz="2900" dirty="0"/>
           </a:p>
@@ -3594,7 +3681,7 @@
           <p:nvPr/>
         </p:nvPicPr>
         <p:blipFill>
-          <a:blip r:embed="rId2">
+          <a:blip r:embed="rId3">
             <a:extLst>
               <a:ext uri="{28A0092B-C50C-407E-A947-70E740481C1C}">
                 <a14:useLocalDpi xmlns:a14="http://schemas.microsoft.com/office/drawing/2010/main" val="0"/>
@@ -3658,7 +3745,7 @@
           <p:nvPr/>
         </p:nvPicPr>
         <p:blipFill>
-          <a:blip r:embed="rId3">
+          <a:blip r:embed="rId4">
             <a:extLst>
               <a:ext uri="{28A0092B-C50C-407E-A947-70E740481C1C}">
                 <a14:useLocalDpi xmlns:a14="http://schemas.microsoft.com/office/drawing/2010/main" val="0"/>
@@ -4041,8 +4128,8 @@
         </p:nvSpPr>
         <p:spPr>
           <a:xfrm>
-            <a:off x="547687" y="3429000"/>
-            <a:ext cx="3262313" cy="2031325"/>
+            <a:off x="3581400" y="2845475"/>
+            <a:ext cx="2971800" cy="2031325"/>
           </a:xfrm>
           <a:prstGeom prst="rect">
             <a:avLst/>
@@ -4088,8 +4175,8 @@
         </p:blipFill>
         <p:spPr bwMode="auto">
           <a:xfrm>
-            <a:off x="152400" y="301625"/>
-            <a:ext cx="2560637" cy="2670175"/>
+            <a:off x="3657600" y="377825"/>
+            <a:ext cx="2560637" cy="2517775"/>
           </a:xfrm>
           <a:prstGeom prst="rect">
             <a:avLst/>
@@ -4152,7 +4239,7 @@
         </p:blipFill>
         <p:spPr bwMode="auto">
           <a:xfrm>
-            <a:off x="5029200" y="685800"/>
+            <a:off x="6180137" y="331787"/>
             <a:ext cx="2686050" cy="2609850"/>
           </a:xfrm>
           <a:prstGeom prst="rect">
@@ -4206,7 +4293,7 @@
         </p:blipFill>
         <p:spPr bwMode="auto">
           <a:xfrm>
-            <a:off x="4991100" y="3235463"/>
+            <a:off x="2133600" y="4576881"/>
             <a:ext cx="2228850" cy="1919288"/>
           </a:xfrm>
           <a:prstGeom prst="rect">
@@ -4260,434 +4347,7 @@
         </p:blipFill>
         <p:spPr bwMode="auto">
           <a:xfrm>
-            <a:off x="6415087" y="3581400"/>
-            <a:ext cx="1866900" cy="1162050"/>
-          </a:xfrm>
-          <a:prstGeom prst="rect">
-            <a:avLst/>
-          </a:prstGeom>
-          <a:noFill/>
-          <a:ln>
-            <a:noFill/>
-          </a:ln>
-          <a:extLst>
-            <a:ext uri="{909E8E84-426E-40DD-AFC4-6F175D3DCCD1}">
-              <a14:hiddenFill xmlns:a14="http://schemas.microsoft.com/office/drawing/2010/main">
-                <a:solidFill>
-                  <a:schemeClr val="accent1"/>
-                </a:solidFill>
-              </a14:hiddenFill>
-            </a:ext>
-            <a:ext uri="{91240B29-F687-4F45-9708-019B960494DF}">
-              <a14:hiddenLine xmlns:a14="http://schemas.microsoft.com/office/drawing/2010/main" w="9525">
-                <a:solidFill>
-                  <a:schemeClr val="tx1"/>
-                </a:solidFill>
-                <a:miter lim="800000"/>
-                <a:headEnd/>
-                <a:tailEnd/>
-              </a14:hiddenLine>
-            </a:ext>
-          </a:extLst>
-        </p:spPr>
-      </p:pic>
-      <p:pic>
-        <p:nvPicPr>
-          <p:cNvPr id="5132" name="Picture 12"/>
-          <p:cNvPicPr>
-            <a:picLocks noChangeAspect="1" noChangeArrowheads="1"/>
-          </p:cNvPicPr>
-          <p:nvPr/>
-        </p:nvPicPr>
-        <p:blipFill>
-          <a:blip r:embed="rId6">
-            <a:extLst>
-              <a:ext uri="{28A0092B-C50C-407E-A947-70E740481C1C}">
-                <a14:useLocalDpi xmlns:a14="http://schemas.microsoft.com/office/drawing/2010/main" val="0"/>
-              </a:ext>
-            </a:extLst>
-          </a:blip>
-          <a:srcRect/>
-          <a:stretch>
-            <a:fillRect/>
-          </a:stretch>
-        </p:blipFill>
-        <p:spPr bwMode="auto">
-          <a:xfrm>
-            <a:off x="3048000" y="1010513"/>
-            <a:ext cx="1781175" cy="2189887"/>
-          </a:xfrm>
-          <a:prstGeom prst="rect">
-            <a:avLst/>
-          </a:prstGeom>
-          <a:noFill/>
-          <a:ln>
-            <a:noFill/>
-          </a:ln>
-          <a:extLst>
-            <a:ext uri="{909E8E84-426E-40DD-AFC4-6F175D3DCCD1}">
-              <a14:hiddenFill xmlns:a14="http://schemas.microsoft.com/office/drawing/2010/main">
-                <a:solidFill>
-                  <a:schemeClr val="accent1"/>
-                </a:solidFill>
-              </a14:hiddenFill>
-            </a:ext>
-            <a:ext uri="{91240B29-F687-4F45-9708-019B960494DF}">
-              <a14:hiddenLine xmlns:a14="http://schemas.microsoft.com/office/drawing/2010/main" w="9525">
-                <a:solidFill>
-                  <a:schemeClr val="tx1"/>
-                </a:solidFill>
-                <a:miter lim="800000"/>
-                <a:headEnd/>
-                <a:tailEnd/>
-              </a14:hiddenLine>
-            </a:ext>
-          </a:extLst>
-        </p:spPr>
-      </p:pic>
-      <p:pic>
-        <p:nvPicPr>
-          <p:cNvPr id="5133" name="Picture 13"/>
-          <p:cNvPicPr>
-            <a:picLocks noChangeAspect="1" noChangeArrowheads="1"/>
-          </p:cNvPicPr>
-          <p:nvPr/>
-        </p:nvPicPr>
-        <p:blipFill>
-          <a:blip r:embed="rId7">
-            <a:extLst>
-              <a:ext uri="{28A0092B-C50C-407E-A947-70E740481C1C}">
-                <a14:useLocalDpi xmlns:a14="http://schemas.microsoft.com/office/drawing/2010/main" val="0"/>
-              </a:ext>
-            </a:extLst>
-          </a:blip>
-          <a:srcRect/>
-          <a:stretch>
-            <a:fillRect/>
-          </a:stretch>
-        </p:blipFill>
-        <p:spPr bwMode="auto">
-          <a:xfrm rot="16200000">
-            <a:off x="3443288" y="4052887"/>
-            <a:ext cx="3095625" cy="1104900"/>
-          </a:xfrm>
-          <a:prstGeom prst="rect">
-            <a:avLst/>
-          </a:prstGeom>
-          <a:noFill/>
-          <a:ln>
-            <a:noFill/>
-          </a:ln>
-          <a:extLst>
-            <a:ext uri="{909E8E84-426E-40DD-AFC4-6F175D3DCCD1}">
-              <a14:hiddenFill xmlns:a14="http://schemas.microsoft.com/office/drawing/2010/main">
-                <a:solidFill>
-                  <a:schemeClr val="accent1"/>
-                </a:solidFill>
-              </a14:hiddenFill>
-            </a:ext>
-            <a:ext uri="{91240B29-F687-4F45-9708-019B960494DF}">
-              <a14:hiddenLine xmlns:a14="http://schemas.microsoft.com/office/drawing/2010/main" w="9525">
-                <a:solidFill>
-                  <a:schemeClr val="tx1"/>
-                </a:solidFill>
-                <a:miter lim="800000"/>
-                <a:headEnd/>
-                <a:tailEnd/>
-              </a14:hiddenLine>
-            </a:ext>
-          </a:extLst>
-        </p:spPr>
-      </p:pic>
-      <p:sp>
-        <p:nvSpPr>
-          <p:cNvPr id="3" name="TextBox 2"/>
-          <p:cNvSpPr txBox="1"/>
-          <p:nvPr/>
-        </p:nvSpPr>
-        <p:spPr>
-          <a:xfrm>
-            <a:off x="2590800" y="301625"/>
-            <a:ext cx="3019481" cy="400110"/>
-          </a:xfrm>
-          <a:prstGeom prst="rect">
-            <a:avLst/>
-          </a:prstGeom>
-          <a:noFill/>
-        </p:spPr>
-        <p:txBody>
-          <a:bodyPr wrap="none" rtlCol="0">
-            <a:spAutoFit/>
-          </a:bodyPr>
-          <a:lstStyle/>
-          <a:p>
-            <a:pPr algn="ctr"/>
-            <a:r>
-              <a:rPr lang="en-US" sz="2000" dirty="0" smtClean="0"/>
-              <a:t>Build Simple Electric Motor</a:t>
-            </a:r>
-            <a:endParaRPr lang="en-US" sz="2000" dirty="0"/>
-          </a:p>
-        </p:txBody>
-      </p:sp>
-    </p:spTree>
-    <p:extLst>
-      <p:ext uri="{BB962C8B-B14F-4D97-AF65-F5344CB8AC3E}">
-        <p14:creationId xmlns:p14="http://schemas.microsoft.com/office/powerpoint/2010/main" val="456580858"/>
-      </p:ext>
-    </p:extLst>
-  </p:cSld>
-  <p:clrMapOvr>
-    <a:masterClrMapping/>
-  </p:clrMapOvr>
-</p:sld>
-</file>
-
-<file path=ppt/slides/slide5.xml><?xml version="1.0" encoding="utf-8"?>
-<p:sld xmlns:a="http://schemas.openxmlformats.org/drawingml/2006/main" xmlns:r="http://schemas.openxmlformats.org/officeDocument/2006/relationships" xmlns:p="http://schemas.openxmlformats.org/presentationml/2006/main">
-  <p:cSld>
-    <p:spTree>
-      <p:nvGrpSpPr>
-        <p:cNvPr id="1" name=""/>
-        <p:cNvGrpSpPr/>
-        <p:nvPr/>
-      </p:nvGrpSpPr>
-      <p:grpSpPr>
-        <a:xfrm>
-          <a:off x="0" y="0"/>
-          <a:ext cx="0" cy="0"/>
-          <a:chOff x="0" y="0"/>
-          <a:chExt cx="0" cy="0"/>
-        </a:xfrm>
-      </p:grpSpPr>
-      <p:sp>
-        <p:nvSpPr>
-          <p:cNvPr id="2" name="TextBox 1"/>
-          <p:cNvSpPr txBox="1"/>
-          <p:nvPr/>
-        </p:nvSpPr>
-        <p:spPr>
-          <a:xfrm>
-            <a:off x="492917" y="4445675"/>
-            <a:ext cx="3317084" cy="2031325"/>
-          </a:xfrm>
-          <a:prstGeom prst="rect">
-            <a:avLst/>
-          </a:prstGeom>
-          <a:noFill/>
-        </p:spPr>
-        <p:txBody>
-          <a:bodyPr wrap="square" rtlCol="0">
-            <a:spAutoFit/>
-          </a:bodyPr>
-          <a:lstStyle/>
-          <a:p>
-            <a:r>
-              <a:rPr lang="en-US" dirty="0" smtClean="0"/>
-              <a:t>Starting in the center of the battery, take insulated wire wrap it 12 through 15 times turn around battery to form a coil. Remove insulation from the same side of each wire</a:t>
-            </a:r>
-          </a:p>
-          <a:p>
-            <a:endParaRPr lang="en-US" dirty="0"/>
-          </a:p>
-        </p:txBody>
-      </p:sp>
-      <p:pic>
-        <p:nvPicPr>
-          <p:cNvPr id="5126" name="Picture 6"/>
-          <p:cNvPicPr>
-            <a:picLocks noChangeAspect="1" noChangeArrowheads="1"/>
-          </p:cNvPicPr>
-          <p:nvPr/>
-        </p:nvPicPr>
-        <p:blipFill>
-          <a:blip r:embed="rId2">
-            <a:extLst>
-              <a:ext uri="{28A0092B-C50C-407E-A947-70E740481C1C}">
-                <a14:useLocalDpi xmlns:a14="http://schemas.microsoft.com/office/drawing/2010/main" val="0"/>
-              </a:ext>
-            </a:extLst>
-          </a:blip>
-          <a:srcRect/>
-          <a:stretch>
-            <a:fillRect/>
-          </a:stretch>
-        </p:blipFill>
-        <p:spPr bwMode="auto">
-          <a:xfrm>
-            <a:off x="3444875" y="1143000"/>
-            <a:ext cx="2560637" cy="2670175"/>
-          </a:xfrm>
-          <a:prstGeom prst="rect">
-            <a:avLst/>
-          </a:prstGeom>
-          <a:noFill/>
-          <a:ln>
-            <a:noFill/>
-          </a:ln>
-          <a:effectLst/>
-          <a:extLst>
-            <a:ext uri="{909E8E84-426E-40DD-AFC4-6F175D3DCCD1}">
-              <a14:hiddenFill xmlns:a14="http://schemas.microsoft.com/office/drawing/2010/main">
-                <a:solidFill>
-                  <a:schemeClr val="accent1"/>
-                </a:solidFill>
-              </a14:hiddenFill>
-            </a:ext>
-            <a:ext uri="{91240B29-F687-4F45-9708-019B960494DF}">
-              <a14:hiddenLine xmlns:a14="http://schemas.microsoft.com/office/drawing/2010/main" w="9525">
-                <a:solidFill>
-                  <a:schemeClr val="tx1"/>
-                </a:solidFill>
-                <a:miter lim="800000"/>
-                <a:headEnd/>
-                <a:tailEnd/>
-              </a14:hiddenLine>
-            </a:ext>
-            <a:ext uri="{AF507438-7753-43E0-B8FC-AC1667EBCBE1}">
-              <a14:hiddenEffects xmlns:a14="http://schemas.microsoft.com/office/drawing/2010/main">
-                <a:effectLst>
-                  <a:outerShdw dist="35921" dir="2700000" algn="ctr" rotWithShape="0">
-                    <a:schemeClr val="bg2"/>
-                  </a:outerShdw>
-                </a:effectLst>
-              </a14:hiddenEffects>
-            </a:ext>
-          </a:extLst>
-        </p:spPr>
-      </p:pic>
-      <p:pic>
-        <p:nvPicPr>
-          <p:cNvPr id="5127" name="Picture 7"/>
-          <p:cNvPicPr>
-            <a:picLocks noChangeAspect="1" noChangeArrowheads="1"/>
-          </p:cNvPicPr>
-          <p:nvPr/>
-        </p:nvPicPr>
-        <p:blipFill>
-          <a:blip r:embed="rId3">
-            <a:extLst>
-              <a:ext uri="{28A0092B-C50C-407E-A947-70E740481C1C}">
-                <a14:useLocalDpi xmlns:a14="http://schemas.microsoft.com/office/drawing/2010/main" val="0"/>
-              </a:ext>
-            </a:extLst>
-          </a:blip>
-          <a:srcRect/>
-          <a:stretch>
-            <a:fillRect/>
-          </a:stretch>
-        </p:blipFill>
-        <p:spPr bwMode="auto">
-          <a:xfrm>
-            <a:off x="6005512" y="742950"/>
-            <a:ext cx="2686050" cy="2609850"/>
-          </a:xfrm>
-          <a:prstGeom prst="rect">
-            <a:avLst/>
-          </a:prstGeom>
-          <a:noFill/>
-          <a:ln>
-            <a:noFill/>
-          </a:ln>
-          <a:extLst>
-            <a:ext uri="{909E8E84-426E-40DD-AFC4-6F175D3DCCD1}">
-              <a14:hiddenFill xmlns:a14="http://schemas.microsoft.com/office/drawing/2010/main">
-                <a:solidFill>
-                  <a:schemeClr val="accent1"/>
-                </a:solidFill>
-              </a14:hiddenFill>
-            </a:ext>
-            <a:ext uri="{91240B29-F687-4F45-9708-019B960494DF}">
-              <a14:hiddenLine xmlns:a14="http://schemas.microsoft.com/office/drawing/2010/main" w="9525">
-                <a:solidFill>
-                  <a:schemeClr val="tx1"/>
-                </a:solidFill>
-                <a:miter lim="800000"/>
-                <a:headEnd/>
-                <a:tailEnd/>
-              </a14:hiddenLine>
-            </a:ext>
-          </a:extLst>
-        </p:spPr>
-      </p:pic>
-      <p:pic>
-        <p:nvPicPr>
-          <p:cNvPr id="5128" name="Picture 8"/>
-          <p:cNvPicPr>
-            <a:picLocks noChangeAspect="1" noChangeArrowheads="1"/>
-          </p:cNvPicPr>
-          <p:nvPr/>
-        </p:nvPicPr>
-        <p:blipFill>
-          <a:blip r:embed="rId4">
-            <a:extLst>
-              <a:ext uri="{28A0092B-C50C-407E-A947-70E740481C1C}">
-                <a14:useLocalDpi xmlns:a14="http://schemas.microsoft.com/office/drawing/2010/main" val="0"/>
-              </a:ext>
-            </a:extLst>
-          </a:blip>
-          <a:srcRect/>
-          <a:stretch>
-            <a:fillRect/>
-          </a:stretch>
-        </p:blipFill>
-        <p:spPr bwMode="auto">
-          <a:xfrm>
-            <a:off x="5086350" y="4100512"/>
-            <a:ext cx="2228850" cy="1919288"/>
-          </a:xfrm>
-          <a:prstGeom prst="rect">
-            <a:avLst/>
-          </a:prstGeom>
-          <a:noFill/>
-          <a:ln>
-            <a:noFill/>
-          </a:ln>
-          <a:extLst>
-            <a:ext uri="{909E8E84-426E-40DD-AFC4-6F175D3DCCD1}">
-              <a14:hiddenFill xmlns:a14="http://schemas.microsoft.com/office/drawing/2010/main">
-                <a:solidFill>
-                  <a:schemeClr val="accent1"/>
-                </a:solidFill>
-              </a14:hiddenFill>
-            </a:ext>
-            <a:ext uri="{91240B29-F687-4F45-9708-019B960494DF}">
-              <a14:hiddenLine xmlns:a14="http://schemas.microsoft.com/office/drawing/2010/main" w="9525">
-                <a:solidFill>
-                  <a:schemeClr val="tx1"/>
-                </a:solidFill>
-                <a:miter lim="800000"/>
-                <a:headEnd/>
-                <a:tailEnd/>
-              </a14:hiddenLine>
-            </a:ext>
-          </a:extLst>
-        </p:spPr>
-      </p:pic>
-      <p:pic>
-        <p:nvPicPr>
-          <p:cNvPr id="5130" name="Picture 10"/>
-          <p:cNvPicPr>
-            <a:picLocks noChangeAspect="1" noChangeArrowheads="1"/>
-          </p:cNvPicPr>
-          <p:nvPr/>
-        </p:nvPicPr>
-        <p:blipFill>
-          <a:blip r:embed="rId5" cstate="print">
-            <a:extLst>
-              <a:ext uri="{28A0092B-C50C-407E-A947-70E740481C1C}">
-                <a14:useLocalDpi xmlns:a14="http://schemas.microsoft.com/office/drawing/2010/main" val="0"/>
-              </a:ext>
-            </a:extLst>
-          </a:blip>
-          <a:srcRect/>
-          <a:stretch>
-            <a:fillRect/>
-          </a:stretch>
-        </p:blipFill>
-        <p:spPr bwMode="auto">
-          <a:xfrm>
-            <a:off x="6667500" y="4171950"/>
+            <a:off x="3733800" y="4876800"/>
             <a:ext cx="1866900" cy="1162050"/>
           </a:xfrm>
           <a:prstGeom prst="rect">
@@ -4741,8 +4401,8 @@
         </p:blipFill>
         <p:spPr bwMode="auto">
           <a:xfrm rot="16200000">
-            <a:off x="3717134" y="4521995"/>
-            <a:ext cx="2833688" cy="1104900"/>
+            <a:off x="909638" y="4984075"/>
+            <a:ext cx="2447924" cy="1104900"/>
           </a:xfrm>
           <a:prstGeom prst="rect">
             <a:avLst/>
@@ -4795,7 +4455,7 @@
         </p:blipFill>
         <p:spPr bwMode="auto">
           <a:xfrm>
-            <a:off x="304800" y="695324"/>
+            <a:off x="304799" y="533400"/>
             <a:ext cx="3140075" cy="3724276"/>
           </a:xfrm>
           <a:prstGeom prst="rect">
@@ -4910,10 +4570,17 @@
   <p:clrMapOvr>
     <a:masterClrMapping/>
   </p:clrMapOvr>
+  <p:timing>
+    <p:tnLst>
+      <p:par>
+        <p:cTn id="1" dur="indefinite" restart="never" nodeType="tmRoot"/>
+      </p:par>
+    </p:tnLst>
+  </p:timing>
 </p:sld>
 </file>
 
-<file path=ppt/slides/slide6.xml><?xml version="1.0" encoding="utf-8"?>
+<file path=ppt/slides/slide5.xml><?xml version="1.0" encoding="utf-8"?>
 <p:sld xmlns:a="http://schemas.openxmlformats.org/drawingml/2006/main" xmlns:r="http://schemas.openxmlformats.org/officeDocument/2006/relationships" xmlns:p="http://schemas.openxmlformats.org/presentationml/2006/main">
   <p:cSld>
     <p:spTree>
@@ -5105,7 +4772,7 @@
 </p:sld>
 </file>
 
-<file path=ppt/slides/slide7.xml><?xml version="1.0" encoding="utf-8"?>
+<file path=ppt/slides/slide6.xml><?xml version="1.0" encoding="utf-8"?>
 <p:sld xmlns:a="http://schemas.openxmlformats.org/drawingml/2006/main" xmlns:r="http://schemas.openxmlformats.org/officeDocument/2006/relationships" xmlns:p="http://schemas.openxmlformats.org/presentationml/2006/main">
   <p:cSld>
     <p:spTree>
@@ -5233,7 +4900,7 @@
 </p:sld>
 </file>
 
-<file path=ppt/slides/slide8.xml><?xml version="1.0" encoding="utf-8"?>
+<file path=ppt/slides/slide7.xml><?xml version="1.0" encoding="utf-8"?>
 <p:sld xmlns:a="http://schemas.openxmlformats.org/drawingml/2006/main" xmlns:r="http://schemas.openxmlformats.org/officeDocument/2006/relationships" xmlns:p="http://schemas.openxmlformats.org/presentationml/2006/main">
   <p:cSld>
     <p:spTree>

--- a/My-Linh Lam Weatherford’s EDU Projects - Copy.pptx
+++ b/My-Linh Lam Weatherford’s EDU Projects - Copy.pptx
@@ -5,16 +5,17 @@
     <p:sldMasterId id="2147483648" r:id="rId1"/>
   </p:sldMasterIdLst>
   <p:notesMasterIdLst>
-    <p:notesMasterId r:id="rId9"/>
+    <p:notesMasterId r:id="rId10"/>
   </p:notesMasterIdLst>
   <p:sldIdLst>
     <p:sldId id="267" r:id="rId2"/>
     <p:sldId id="269" r:id="rId3"/>
     <p:sldId id="268" r:id="rId4"/>
     <p:sldId id="266" r:id="rId5"/>
-    <p:sldId id="259" r:id="rId6"/>
-    <p:sldId id="263" r:id="rId7"/>
-    <p:sldId id="265" r:id="rId8"/>
+    <p:sldId id="270" r:id="rId6"/>
+    <p:sldId id="259" r:id="rId7"/>
+    <p:sldId id="263" r:id="rId8"/>
+    <p:sldId id="265" r:id="rId9"/>
   </p:sldIdLst>
   <p:sldSz cx="9144000" cy="6858000" type="screen4x3"/>
   <p:notesSz cx="6858000" cy="9313863"/>
@@ -198,7 +199,7 @@
           <a:p>
             <a:fld id="{95F68453-3515-4C29-86D3-C351A068EC09}" type="datetimeFigureOut">
               <a:rPr lang="en-US" smtClean="0"/>
-              <a:t>11/21/2016</a:t>
+              <a:t>11/23/2016</a:t>
             </a:fld>
             <a:endParaRPr lang="en-US"/>
           </a:p>
@@ -731,7 +732,7 @@
           <a:p>
             <a:fld id="{8ABE0C85-4FD3-4C41-97EB-EC9101089F08}" type="datetimeFigureOut">
               <a:rPr lang="en-US" smtClean="0"/>
-              <a:t>11/21/2016</a:t>
+              <a:t>11/23/2016</a:t>
             </a:fld>
             <a:endParaRPr lang="en-US"/>
           </a:p>
@@ -901,7 +902,7 @@
           <a:p>
             <a:fld id="{8ABE0C85-4FD3-4C41-97EB-EC9101089F08}" type="datetimeFigureOut">
               <a:rPr lang="en-US" smtClean="0"/>
-              <a:t>11/21/2016</a:t>
+              <a:t>11/23/2016</a:t>
             </a:fld>
             <a:endParaRPr lang="en-US"/>
           </a:p>
@@ -1081,7 +1082,7 @@
           <a:p>
             <a:fld id="{8ABE0C85-4FD3-4C41-97EB-EC9101089F08}" type="datetimeFigureOut">
               <a:rPr lang="en-US" smtClean="0"/>
-              <a:t>11/21/2016</a:t>
+              <a:t>11/23/2016</a:t>
             </a:fld>
             <a:endParaRPr lang="en-US"/>
           </a:p>
@@ -1251,7 +1252,7 @@
           <a:p>
             <a:fld id="{8ABE0C85-4FD3-4C41-97EB-EC9101089F08}" type="datetimeFigureOut">
               <a:rPr lang="en-US" smtClean="0"/>
-              <a:t>11/21/2016</a:t>
+              <a:t>11/23/2016</a:t>
             </a:fld>
             <a:endParaRPr lang="en-US"/>
           </a:p>
@@ -1497,7 +1498,7 @@
           <a:p>
             <a:fld id="{8ABE0C85-4FD3-4C41-97EB-EC9101089F08}" type="datetimeFigureOut">
               <a:rPr lang="en-US" smtClean="0"/>
-              <a:t>11/21/2016</a:t>
+              <a:t>11/23/2016</a:t>
             </a:fld>
             <a:endParaRPr lang="en-US"/>
           </a:p>
@@ -1785,7 +1786,7 @@
           <a:p>
             <a:fld id="{8ABE0C85-4FD3-4C41-97EB-EC9101089F08}" type="datetimeFigureOut">
               <a:rPr lang="en-US" smtClean="0"/>
-              <a:t>11/21/2016</a:t>
+              <a:t>11/23/2016</a:t>
             </a:fld>
             <a:endParaRPr lang="en-US"/>
           </a:p>
@@ -2207,7 +2208,7 @@
           <a:p>
             <a:fld id="{8ABE0C85-4FD3-4C41-97EB-EC9101089F08}" type="datetimeFigureOut">
               <a:rPr lang="en-US" smtClean="0"/>
-              <a:t>11/21/2016</a:t>
+              <a:t>11/23/2016</a:t>
             </a:fld>
             <a:endParaRPr lang="en-US"/>
           </a:p>
@@ -2325,7 +2326,7 @@
           <a:p>
             <a:fld id="{8ABE0C85-4FD3-4C41-97EB-EC9101089F08}" type="datetimeFigureOut">
               <a:rPr lang="en-US" smtClean="0"/>
-              <a:t>11/21/2016</a:t>
+              <a:t>11/23/2016</a:t>
             </a:fld>
             <a:endParaRPr lang="en-US"/>
           </a:p>
@@ -2420,7 +2421,7 @@
           <a:p>
             <a:fld id="{8ABE0C85-4FD3-4C41-97EB-EC9101089F08}" type="datetimeFigureOut">
               <a:rPr lang="en-US" smtClean="0"/>
-              <a:t>11/21/2016</a:t>
+              <a:t>11/23/2016</a:t>
             </a:fld>
             <a:endParaRPr lang="en-US"/>
           </a:p>
@@ -2697,7 +2698,7 @@
           <a:p>
             <a:fld id="{8ABE0C85-4FD3-4C41-97EB-EC9101089F08}" type="datetimeFigureOut">
               <a:rPr lang="en-US" smtClean="0"/>
-              <a:t>11/21/2016</a:t>
+              <a:t>11/23/2016</a:t>
             </a:fld>
             <a:endParaRPr lang="en-US"/>
           </a:p>
@@ -2950,7 +2951,7 @@
           <a:p>
             <a:fld id="{8ABE0C85-4FD3-4C41-97EB-EC9101089F08}" type="datetimeFigureOut">
               <a:rPr lang="en-US" smtClean="0"/>
-              <a:t>11/21/2016</a:t>
+              <a:t>11/23/2016</a:t>
             </a:fld>
             <a:endParaRPr lang="en-US"/>
           </a:p>
@@ -3163,7 +3164,7 @@
           <a:p>
             <a:fld id="{8ABE0C85-4FD3-4C41-97EB-EC9101089F08}" type="datetimeFigureOut">
               <a:rPr lang="en-US" smtClean="0"/>
-              <a:t>11/21/2016</a:t>
+              <a:t>11/23/2016</a:t>
             </a:fld>
             <a:endParaRPr lang="en-US"/>
           </a:p>
@@ -3628,11 +3629,7 @@
             <a:pPr algn="l"/>
             <a:r>
               <a:rPr lang="en-US" sz="2900" dirty="0" smtClean="0"/>
-              <a:t>Sources: </a:t>
-            </a:r>
-            <a:r>
-              <a:rPr lang="en-US" sz="2900" dirty="0" smtClean="0"/>
-              <a:t>Internet</a:t>
+              <a:t>Sources: Internet</a:t>
             </a:r>
             <a:endParaRPr lang="en-US" sz="2900" dirty="0"/>
           </a:p>
@@ -4597,6 +4594,124 @@
           <a:chExt cx="0" cy="0"/>
         </a:xfrm>
       </p:grpSpPr>
+      <p:graphicFrame>
+        <p:nvGraphicFramePr>
+          <p:cNvPr id="2" name="Object 1"/>
+          <p:cNvGraphicFramePr>
+            <a:graphicFrameLocks noChangeAspect="1"/>
+          </p:cNvGraphicFramePr>
+          <p:nvPr>
+            <p:extLst>
+              <p:ext uri="{D42A27DB-BD31-4B8C-83A1-F6EECF244321}">
+                <p14:modId xmlns:p14="http://schemas.microsoft.com/office/powerpoint/2010/main" val="2911314610"/>
+              </p:ext>
+            </p:extLst>
+          </p:nvPr>
+        </p:nvGraphicFramePr>
+        <p:xfrm>
+          <a:off x="3429000" y="2286000"/>
+          <a:ext cx="1397000" cy="685800"/>
+        </p:xfrm>
+        <a:graphic>
+          <a:graphicData uri="http://schemas.openxmlformats.org/presentationml/2006/ole">
+            <mc:AlternateContent xmlns:mc="http://schemas.openxmlformats.org/markup-compatibility/2006">
+              <mc:Choice xmlns:v="urn:schemas-microsoft-com:vml" Requires="v">
+                <p:oleObj spid="_x0000_s1030" name="Packager Shell Object" showAsIcon="1" r:id="rId3" imgW="1396440" imgH="685800" progId="Package">
+                  <p:embed/>
+                </p:oleObj>
+              </mc:Choice>
+              <mc:Fallback>
+                <p:oleObj name="Packager Shell Object" showAsIcon="1" r:id="rId3" imgW="1396440" imgH="685800" progId="Package">
+                  <p:embed/>
+                  <p:pic>
+                    <p:nvPicPr>
+                      <p:cNvPr id="0" name=""/>
+                      <p:cNvPicPr/>
+                      <p:nvPr/>
+                    </p:nvPicPr>
+                    <p:blipFill>
+                      <a:blip r:embed="rId4"/>
+                      <a:stretch>
+                        <a:fillRect/>
+                      </a:stretch>
+                    </p:blipFill>
+                    <p:spPr>
+                      <a:xfrm>
+                        <a:off x="3429000" y="2286000"/>
+                        <a:ext cx="1397000" cy="685800"/>
+                      </a:xfrm>
+                      <a:prstGeom prst="rect">
+                        <a:avLst/>
+                      </a:prstGeom>
+                    </p:spPr>
+                  </p:pic>
+                </p:oleObj>
+              </mc:Fallback>
+            </mc:AlternateContent>
+          </a:graphicData>
+        </a:graphic>
+      </p:graphicFrame>
+      <p:sp>
+        <p:nvSpPr>
+          <p:cNvPr id="3" name="TextBox 2"/>
+          <p:cNvSpPr txBox="1"/>
+          <p:nvPr/>
+        </p:nvSpPr>
+        <p:spPr>
+          <a:xfrm>
+            <a:off x="2286000" y="1219200"/>
+            <a:ext cx="4281621" cy="523220"/>
+          </a:xfrm>
+          <a:prstGeom prst="rect">
+            <a:avLst/>
+          </a:prstGeom>
+          <a:noFill/>
+        </p:spPr>
+        <p:txBody>
+          <a:bodyPr wrap="none" rtlCol="0">
+            <a:spAutoFit/>
+          </a:bodyPr>
+          <a:lstStyle/>
+          <a:p>
+            <a:pPr algn="ctr"/>
+            <a:r>
+              <a:rPr lang="en-US" sz="2800" dirty="0" smtClean="0"/>
+              <a:t>Simple Electric Motor Demo</a:t>
+            </a:r>
+            <a:endParaRPr lang="en-US" sz="2800" dirty="0"/>
+          </a:p>
+        </p:txBody>
+      </p:sp>
+    </p:spTree>
+    <p:extLst>
+      <p:ext uri="{BB962C8B-B14F-4D97-AF65-F5344CB8AC3E}">
+        <p14:creationId xmlns:p14="http://schemas.microsoft.com/office/powerpoint/2010/main" val="4047046413"/>
+      </p:ext>
+    </p:extLst>
+  </p:cSld>
+  <p:clrMapOvr>
+    <a:masterClrMapping/>
+  </p:clrMapOvr>
+</p:sld>
+</file>
+
+<file path=ppt/slides/slide6.xml><?xml version="1.0" encoding="utf-8"?>
+<p:sld xmlns:a="http://schemas.openxmlformats.org/drawingml/2006/main" xmlns:r="http://schemas.openxmlformats.org/officeDocument/2006/relationships" xmlns:p="http://schemas.openxmlformats.org/presentationml/2006/main">
+  <p:cSld>
+    <p:spTree>
+      <p:nvGrpSpPr>
+        <p:cNvPr id="1" name=""/>
+        <p:cNvGrpSpPr/>
+        <p:nvPr/>
+      </p:nvGrpSpPr>
+      <p:grpSpPr>
+        <a:xfrm>
+          <a:off x="0" y="0"/>
+          <a:ext cx="0" cy="0"/>
+          <a:chOff x="0" y="0"/>
+          <a:chExt cx="0" cy="0"/>
+        </a:xfrm>
+      </p:grpSpPr>
       <p:pic>
         <p:nvPicPr>
           <p:cNvPr id="1026" name="Picture 2"/>
@@ -4772,7 +4887,7 @@
 </p:sld>
 </file>
 
-<file path=ppt/slides/slide6.xml><?xml version="1.0" encoding="utf-8"?>
+<file path=ppt/slides/slide7.xml><?xml version="1.0" encoding="utf-8"?>
 <p:sld xmlns:a="http://schemas.openxmlformats.org/drawingml/2006/main" xmlns:r="http://schemas.openxmlformats.org/officeDocument/2006/relationships" xmlns:p="http://schemas.openxmlformats.org/presentationml/2006/main">
   <p:cSld>
     <p:spTree>
@@ -4900,7 +5015,7 @@
 </p:sld>
 </file>
 
-<file path=ppt/slides/slide7.xml><?xml version="1.0" encoding="utf-8"?>
+<file path=ppt/slides/slide8.xml><?xml version="1.0" encoding="utf-8"?>
 <p:sld xmlns:a="http://schemas.openxmlformats.org/drawingml/2006/main" xmlns:r="http://schemas.openxmlformats.org/officeDocument/2006/relationships" xmlns:p="http://schemas.openxmlformats.org/presentationml/2006/main">
   <p:cSld>
     <p:spTree>
